--- a/Data Structures using C#/data-structures-using-.net-core-csharp/Linked List/Queue Using Linked List/Queue Using Linked List.pptx
+++ b/Data Structures using C#/data-structures-using-.net-core-csharp/Linked List/Queue Using Linked List/Queue Using Linked List.pptx
@@ -204,7 +204,7 @@
           <a:p>
             <a:fld id="{2FB6FFA2-5596-DA47-A26B-229D3D705C9C}" type="datetimeFigureOut">
               <a:rPr lang="en-US" smtClean="0"/>
-              <a:t>1/2/22</a:t>
+              <a:t>5/26/22</a:t>
             </a:fld>
             <a:endParaRPr lang="en-US"/>
           </a:p>
@@ -1290,7 +1290,7 @@
           <a:p>
             <a:fld id="{D7AFABE5-C7E3-F145-818B-F1C9F2CF8384}" type="datetimeFigureOut">
               <a:rPr lang="en-US" smtClean="0"/>
-              <a:t>1/2/22</a:t>
+              <a:t>5/26/22</a:t>
             </a:fld>
             <a:endParaRPr lang="en-US"/>
           </a:p>
@@ -1488,7 +1488,7 @@
           <a:p>
             <a:fld id="{D7AFABE5-C7E3-F145-818B-F1C9F2CF8384}" type="datetimeFigureOut">
               <a:rPr lang="en-US" smtClean="0"/>
-              <a:t>1/2/22</a:t>
+              <a:t>5/26/22</a:t>
             </a:fld>
             <a:endParaRPr lang="en-US"/>
           </a:p>
@@ -1696,7 +1696,7 @@
           <a:p>
             <a:fld id="{D7AFABE5-C7E3-F145-818B-F1C9F2CF8384}" type="datetimeFigureOut">
               <a:rPr lang="en-US" smtClean="0"/>
-              <a:t>1/2/22</a:t>
+              <a:t>5/26/22</a:t>
             </a:fld>
             <a:endParaRPr lang="en-US"/>
           </a:p>
@@ -1894,7 +1894,7 @@
           <a:p>
             <a:fld id="{D7AFABE5-C7E3-F145-818B-F1C9F2CF8384}" type="datetimeFigureOut">
               <a:rPr lang="en-US" smtClean="0"/>
-              <a:t>1/2/22</a:t>
+              <a:t>5/26/22</a:t>
             </a:fld>
             <a:endParaRPr lang="en-US"/>
           </a:p>
@@ -2169,7 +2169,7 @@
           <a:p>
             <a:fld id="{D7AFABE5-C7E3-F145-818B-F1C9F2CF8384}" type="datetimeFigureOut">
               <a:rPr lang="en-US" smtClean="0"/>
-              <a:t>1/2/22</a:t>
+              <a:t>5/26/22</a:t>
             </a:fld>
             <a:endParaRPr lang="en-US"/>
           </a:p>
@@ -2434,7 +2434,7 @@
           <a:p>
             <a:fld id="{D7AFABE5-C7E3-F145-818B-F1C9F2CF8384}" type="datetimeFigureOut">
               <a:rPr lang="en-US" smtClean="0"/>
-              <a:t>1/2/22</a:t>
+              <a:t>5/26/22</a:t>
             </a:fld>
             <a:endParaRPr lang="en-US"/>
           </a:p>
@@ -2846,7 +2846,7 @@
           <a:p>
             <a:fld id="{D7AFABE5-C7E3-F145-818B-F1C9F2CF8384}" type="datetimeFigureOut">
               <a:rPr lang="en-US" smtClean="0"/>
-              <a:t>1/2/22</a:t>
+              <a:t>5/26/22</a:t>
             </a:fld>
             <a:endParaRPr lang="en-US"/>
           </a:p>
@@ -2987,7 +2987,7 @@
           <a:p>
             <a:fld id="{D7AFABE5-C7E3-F145-818B-F1C9F2CF8384}" type="datetimeFigureOut">
               <a:rPr lang="en-US" smtClean="0"/>
-              <a:t>1/2/22</a:t>
+              <a:t>5/26/22</a:t>
             </a:fld>
             <a:endParaRPr lang="en-US"/>
           </a:p>
@@ -3100,7 +3100,7 @@
           <a:p>
             <a:fld id="{D7AFABE5-C7E3-F145-818B-F1C9F2CF8384}" type="datetimeFigureOut">
               <a:rPr lang="en-US" smtClean="0"/>
-              <a:t>1/2/22</a:t>
+              <a:t>5/26/22</a:t>
             </a:fld>
             <a:endParaRPr lang="en-US"/>
           </a:p>
@@ -3411,7 +3411,7 @@
           <a:p>
             <a:fld id="{D7AFABE5-C7E3-F145-818B-F1C9F2CF8384}" type="datetimeFigureOut">
               <a:rPr lang="en-US" smtClean="0"/>
-              <a:t>1/2/22</a:t>
+              <a:t>5/26/22</a:t>
             </a:fld>
             <a:endParaRPr lang="en-US"/>
           </a:p>
@@ -3699,7 +3699,7 @@
           <a:p>
             <a:fld id="{D7AFABE5-C7E3-F145-818B-F1C9F2CF8384}" type="datetimeFigureOut">
               <a:rPr lang="en-US" smtClean="0"/>
-              <a:t>1/2/22</a:t>
+              <a:t>5/26/22</a:t>
             </a:fld>
             <a:endParaRPr lang="en-US"/>
           </a:p>
@@ -3940,7 +3940,7 @@
           <a:p>
             <a:fld id="{D7AFABE5-C7E3-F145-818B-F1C9F2CF8384}" type="datetimeFigureOut">
               <a:rPr lang="en-US" smtClean="0"/>
-              <a:t>1/2/22</a:t>
+              <a:t>5/26/22</a:t>
             </a:fld>
             <a:endParaRPr lang="en-US"/>
           </a:p>
@@ -4493,7 +4493,7 @@
         <p:spPr>
           <a:xfrm>
             <a:off x="159680" y="771277"/>
-            <a:ext cx="3833930" cy="5940088"/>
+            <a:ext cx="3833930" cy="5016758"/>
           </a:xfrm>
           <a:prstGeom prst="rect">
             <a:avLst/>
@@ -4631,7 +4631,7 @@
                   <a:schemeClr val="tx1"/>
                 </a:solidFill>
               </a:rPr>
-              <a:t>Push(ele) – inserts element into stack</a:t>
+              <a:t>Inert(ele) – inserts element into stack</a:t>
             </a:r>
           </a:p>
           <a:p>
@@ -4645,7 +4645,7 @@
                   <a:schemeClr val="tx1"/>
                 </a:solidFill>
               </a:rPr>
-              <a:t>ele Pop()  -- delete element from stack</a:t>
+              <a:t>ele Delete()  -- delete element from stack</a:t>
             </a:r>
           </a:p>
           <a:p>
@@ -4659,30 +4659,29 @@
                   <a:schemeClr val="tx1"/>
                 </a:solidFill>
               </a:rPr>
-              <a:t>ele Peek() – returns last element inserted into the stack</a:t>
-            </a:r>
-          </a:p>
-          <a:p>
-            <a:pPr marL="285750" indent="-285750" fontAlgn="base">
-              <a:buFont typeface="Arial" panose="020B0604020202020204" pitchFamily="34" charset="0"/>
-              <a:buChar char="•"/>
-            </a:pPr>
-            <a:r>
-              <a:rPr lang="en-US" dirty="0">
+              <a:t>ele[] Display() – returns list of elements </a:t>
+            </a:r>
+            <a:r>
+              <a:rPr lang="en-US">
                 <a:solidFill>
                   <a:schemeClr val="tx1"/>
                 </a:solidFill>
               </a:rPr>
-              <a:t>ele[] Display() – returns list of elements in stack in reverse order</a:t>
-            </a:r>
-            <a:r>
-              <a:rPr lang="en-US" sz="1600" dirty="0">
+              <a:t>in Queue</a:t>
+            </a:r>
+            <a:r>
+              <a:rPr lang="en-US" sz="1600">
                 <a:solidFill>
                   <a:schemeClr val="tx1"/>
                 </a:solidFill>
               </a:rPr>
               <a:t>.</a:t>
             </a:r>
+            <a:endParaRPr lang="en-US" sz="1600" dirty="0">
+              <a:solidFill>
+                <a:schemeClr val="tx1"/>
+              </a:solidFill>
+            </a:endParaRPr>
           </a:p>
         </p:txBody>
       </p:sp>
@@ -14117,7 +14116,7 @@
         </p:nvSpPr>
         <p:spPr>
           <a:xfrm>
-            <a:off x="7" y="147026"/>
+            <a:off x="7" y="7521"/>
             <a:ext cx="12191993" cy="6858000"/>
           </a:xfrm>
           <a:prstGeom prst="rect">
